--- a/Prezentacja Scrabble.pptx
+++ b/Prezentacja Scrabble.pptx
@@ -13,6 +13,7 @@
     <p:sldId id="263" r:id="rId7"/>
     <p:sldId id="264" r:id="rId8"/>
     <p:sldId id="265" r:id="rId9"/>
+    <p:sldId id="266" r:id="rId10"/>
   </p:sldIdLst>
   <p:sldSz cx="9144000" cy="6858000" type="screen4x3"/>
   <p:notesSz cx="6858000" cy="9144000"/>
@@ -111,6 +112,22 @@
       </a:defRPr>
     </a:lvl9pPr>
   </p:defaultTextStyle>
+  <p:extLst>
+    <p:ext uri="{EFAFB233-063F-42B5-8137-9DF3F51BA10A}">
+      <p15:sldGuideLst xmlns:p15="http://schemas.microsoft.com/office/powerpoint/2012/main">
+        <p15:guide id="1" orient="horz" pos="2160">
+          <p15:clr>
+            <a:srgbClr val="A4A3A4"/>
+          </p15:clr>
+        </p15:guide>
+        <p15:guide id="2" pos="2880">
+          <p15:clr>
+            <a:srgbClr val="A4A3A4"/>
+          </p15:clr>
+        </p15:guide>
+      </p15:sldGuideLst>
+    </p:ext>
+  </p:extLst>
 </p:presentation>
 </file>
 
@@ -295,7 +312,7 @@
           <a:p>
             <a:fld id="{6830AA8B-9152-4FD1-A22D-4D4639680C22}" type="datetimeFigureOut">
               <a:rPr lang="pl-PL" smtClean="0"/>
-              <a:t>06.06.2017</a:t>
+              <a:t>2017-06-16</a:t>
             </a:fld>
             <a:endParaRPr lang="pl-PL"/>
           </a:p>
@@ -460,7 +477,7 @@
           <a:p>
             <a:fld id="{6830AA8B-9152-4FD1-A22D-4D4639680C22}" type="datetimeFigureOut">
               <a:rPr lang="pl-PL" smtClean="0"/>
-              <a:t>06.06.2017</a:t>
+              <a:t>2017-06-16</a:t>
             </a:fld>
             <a:endParaRPr lang="pl-PL"/>
           </a:p>
@@ -635,7 +652,7 @@
           <a:p>
             <a:fld id="{6830AA8B-9152-4FD1-A22D-4D4639680C22}" type="datetimeFigureOut">
               <a:rPr lang="pl-PL" smtClean="0"/>
-              <a:t>06.06.2017</a:t>
+              <a:t>2017-06-16</a:t>
             </a:fld>
             <a:endParaRPr lang="pl-PL"/>
           </a:p>
@@ -800,7 +817,7 @@
           <a:p>
             <a:fld id="{6830AA8B-9152-4FD1-A22D-4D4639680C22}" type="datetimeFigureOut">
               <a:rPr lang="pl-PL" smtClean="0"/>
-              <a:t>06.06.2017</a:t>
+              <a:t>2017-06-16</a:t>
             </a:fld>
             <a:endParaRPr lang="pl-PL"/>
           </a:p>
@@ -1041,7 +1058,7 @@
           <a:p>
             <a:fld id="{6830AA8B-9152-4FD1-A22D-4D4639680C22}" type="datetimeFigureOut">
               <a:rPr lang="pl-PL" smtClean="0"/>
-              <a:t>06.06.2017</a:t>
+              <a:t>2017-06-16</a:t>
             </a:fld>
             <a:endParaRPr lang="pl-PL"/>
           </a:p>
@@ -1324,7 +1341,7 @@
           <a:p>
             <a:fld id="{6830AA8B-9152-4FD1-A22D-4D4639680C22}" type="datetimeFigureOut">
               <a:rPr lang="pl-PL" smtClean="0"/>
-              <a:t>06.06.2017</a:t>
+              <a:t>2017-06-16</a:t>
             </a:fld>
             <a:endParaRPr lang="pl-PL"/>
           </a:p>
@@ -1741,7 +1758,7 @@
           <a:p>
             <a:fld id="{6830AA8B-9152-4FD1-A22D-4D4639680C22}" type="datetimeFigureOut">
               <a:rPr lang="pl-PL" smtClean="0"/>
-              <a:t>06.06.2017</a:t>
+              <a:t>2017-06-16</a:t>
             </a:fld>
             <a:endParaRPr lang="pl-PL"/>
           </a:p>
@@ -1854,7 +1871,7 @@
           <a:p>
             <a:fld id="{6830AA8B-9152-4FD1-A22D-4D4639680C22}" type="datetimeFigureOut">
               <a:rPr lang="pl-PL" smtClean="0"/>
-              <a:t>06.06.2017</a:t>
+              <a:t>2017-06-16</a:t>
             </a:fld>
             <a:endParaRPr lang="pl-PL"/>
           </a:p>
@@ -1944,7 +1961,7 @@
           <a:p>
             <a:fld id="{6830AA8B-9152-4FD1-A22D-4D4639680C22}" type="datetimeFigureOut">
               <a:rPr lang="pl-PL" smtClean="0"/>
-              <a:t>06.06.2017</a:t>
+              <a:t>2017-06-16</a:t>
             </a:fld>
             <a:endParaRPr lang="pl-PL"/>
           </a:p>
@@ -2216,7 +2233,7 @@
           <a:p>
             <a:fld id="{6830AA8B-9152-4FD1-A22D-4D4639680C22}" type="datetimeFigureOut">
               <a:rPr lang="pl-PL" smtClean="0"/>
-              <a:t>06.06.2017</a:t>
+              <a:t>2017-06-16</a:t>
             </a:fld>
             <a:endParaRPr lang="pl-PL"/>
           </a:p>
@@ -2464,7 +2481,7 @@
           <a:p>
             <a:fld id="{6830AA8B-9152-4FD1-A22D-4D4639680C22}" type="datetimeFigureOut">
               <a:rPr lang="pl-PL" smtClean="0"/>
-              <a:t>06.06.2017</a:t>
+              <a:t>2017-06-16</a:t>
             </a:fld>
             <a:endParaRPr lang="pl-PL"/>
           </a:p>
@@ -2672,7 +2689,7 @@
           <a:p>
             <a:fld id="{6830AA8B-9152-4FD1-A22D-4D4639680C22}" type="datetimeFigureOut">
               <a:rPr lang="pl-PL" smtClean="0"/>
-              <a:t>06.06.2017</a:t>
+              <a:t>2017-06-16</a:t>
             </a:fld>
             <a:endParaRPr lang="pl-PL"/>
           </a:p>
@@ -4297,6 +4314,140 @@
 </p:sld>
 </file>
 
+<file path=ppt/slides/slide9.xml><?xml version="1.0" encoding="utf-8"?>
+<p:sld xmlns:a="http://schemas.openxmlformats.org/drawingml/2006/main" xmlns:r="http://schemas.openxmlformats.org/officeDocument/2006/relationships" xmlns:p="http://schemas.openxmlformats.org/presentationml/2006/main">
+  <p:cSld>
+    <p:spTree>
+      <p:nvGrpSpPr>
+        <p:cNvPr id="1" name=""/>
+        <p:cNvGrpSpPr/>
+        <p:nvPr/>
+      </p:nvGrpSpPr>
+      <p:grpSpPr>
+        <a:xfrm>
+          <a:off x="0" y="0"/>
+          <a:ext cx="0" cy="0"/>
+          <a:chOff x="0" y="0"/>
+          <a:chExt cx="0" cy="0"/>
+        </a:xfrm>
+      </p:grpSpPr>
+      <p:pic>
+        <p:nvPicPr>
+          <p:cNvPr id="2" name="Picture 2"/>
+          <p:cNvPicPr>
+            <a:picLocks noChangeAspect="1" noChangeArrowheads="1"/>
+          </p:cNvPicPr>
+          <p:nvPr/>
+        </p:nvPicPr>
+        <p:blipFill>
+          <a:blip r:embed="rId2"/>
+          <a:srcRect/>
+          <a:stretch>
+            <a:fillRect/>
+          </a:stretch>
+        </p:blipFill>
+        <p:spPr bwMode="auto">
+          <a:xfrm>
+            <a:off x="-285784" y="0"/>
+            <a:ext cx="9753600" cy="6858000"/>
+          </a:xfrm>
+          <a:prstGeom prst="rect">
+            <a:avLst/>
+          </a:prstGeom>
+          <a:noFill/>
+          <a:ln w="9525">
+            <a:noFill/>
+            <a:miter lim="800000"/>
+            <a:headEnd/>
+            <a:tailEnd/>
+          </a:ln>
+          <a:effectLst/>
+        </p:spPr>
+      </p:pic>
+      <p:sp>
+        <p:nvSpPr>
+          <p:cNvPr id="3" name="pole tekstowe 2"/>
+          <p:cNvSpPr txBox="1"/>
+          <p:nvPr/>
+        </p:nvSpPr>
+        <p:spPr>
+          <a:xfrm>
+            <a:off x="-285784" y="285728"/>
+            <a:ext cx="9715568" cy="523220"/>
+          </a:xfrm>
+          <a:prstGeom prst="rect">
+            <a:avLst/>
+          </a:prstGeom>
+          <a:noFill/>
+        </p:spPr>
+        <p:txBody>
+          <a:bodyPr wrap="square" rtlCol="0">
+            <a:spAutoFit/>
+          </a:bodyPr>
+          <a:lstStyle/>
+          <a:p>
+            <a:pPr algn="ctr"/>
+            <a:r>
+              <a:rPr lang="pl-PL" sz="2800" dirty="0" smtClean="0">
+                <a:solidFill>
+                  <a:schemeClr val="bg1"/>
+                </a:solidFill>
+              </a:rPr>
+              <a:t>Klasa </a:t>
+            </a:r>
+            <a:r>
+              <a:rPr lang="pl-PL" sz="2800" dirty="0" err="1" smtClean="0">
+                <a:solidFill>
+                  <a:schemeClr val="bg1"/>
+                </a:solidFill>
+              </a:rPr>
+              <a:t>TextFieldLimited</a:t>
+            </a:r>
+            <a:endParaRPr lang="pl-PL" sz="2800" dirty="0">
+              <a:solidFill>
+                <a:schemeClr val="bg1"/>
+              </a:solidFill>
+            </a:endParaRPr>
+          </a:p>
+        </p:txBody>
+      </p:sp>
+      <p:pic>
+        <p:nvPicPr>
+          <p:cNvPr id="4" name="Obraz 3"/>
+          <p:cNvPicPr>
+            <a:picLocks noChangeAspect="1"/>
+          </p:cNvPicPr>
+          <p:nvPr/>
+        </p:nvPicPr>
+        <p:blipFill>
+          <a:blip r:embed="rId3"/>
+          <a:stretch>
+            <a:fillRect/>
+          </a:stretch>
+        </p:blipFill>
+        <p:spPr>
+          <a:xfrm>
+            <a:off x="-285784" y="995770"/>
+            <a:ext cx="10191784" cy="5104992"/>
+          </a:xfrm>
+          <a:prstGeom prst="rect">
+            <a:avLst/>
+          </a:prstGeom>
+        </p:spPr>
+      </p:pic>
+    </p:spTree>
+    <p:extLst>
+      <p:ext uri="{BB962C8B-B14F-4D97-AF65-F5344CB8AC3E}">
+        <p14:creationId xmlns:p14="http://schemas.microsoft.com/office/powerpoint/2010/main" val="184171315"/>
+      </p:ext>
+    </p:extLst>
+  </p:cSld>
+  <p:clrMapOvr>
+    <a:masterClrMapping/>
+  </p:clrMapOvr>
+</p:sld>
+</file>
+
 <file path=ppt/theme/theme1.xml><?xml version="1.0" encoding="utf-8"?>
 <a:theme xmlns:a="http://schemas.openxmlformats.org/drawingml/2006/main" name="Motyw pakietu Office">
   <a:themeElements>
